--- a/Fpga專題實習pwm.pptx
+++ b/Fpga專題實習pwm.pptx
@@ -9,7 +9,10 @@
     <p:sldId id="257" r:id="rId3"/>
     <p:sldId id="258" r:id="rId4"/>
     <p:sldId id="260" r:id="rId5"/>
-    <p:sldId id="259" r:id="rId6"/>
+    <p:sldId id="264" r:id="rId6"/>
+    <p:sldId id="265" r:id="rId7"/>
+    <p:sldId id="266" r:id="rId8"/>
+    <p:sldId id="259" r:id="rId9"/>
   </p:sldIdLst>
   <p:sldSz cx="12192000" cy="6858000"/>
   <p:notesSz cx="6858000" cy="9144000"/>
@@ -263,7 +266,7 @@
           <a:p>
             <a:fld id="{F6126CF3-C25A-445D-B04C-12AEE3C5CFC5}" type="datetimeFigureOut">
               <a:rPr lang="zh-TW" altLang="en-US" smtClean="0"/>
-              <a:t>2024/11/17</a:t>
+              <a:t>2025/1/2</a:t>
             </a:fld>
             <a:endParaRPr lang="zh-TW" altLang="en-US"/>
           </a:p>
@@ -461,7 +464,7 @@
           <a:p>
             <a:fld id="{F6126CF3-C25A-445D-B04C-12AEE3C5CFC5}" type="datetimeFigureOut">
               <a:rPr lang="zh-TW" altLang="en-US" smtClean="0"/>
-              <a:t>2024/11/17</a:t>
+              <a:t>2025/1/2</a:t>
             </a:fld>
             <a:endParaRPr lang="zh-TW" altLang="en-US"/>
           </a:p>
@@ -669,7 +672,7 @@
           <a:p>
             <a:fld id="{F6126CF3-C25A-445D-B04C-12AEE3C5CFC5}" type="datetimeFigureOut">
               <a:rPr lang="zh-TW" altLang="en-US" smtClean="0"/>
-              <a:t>2024/11/17</a:t>
+              <a:t>2025/1/2</a:t>
             </a:fld>
             <a:endParaRPr lang="zh-TW" altLang="en-US"/>
           </a:p>
@@ -867,7 +870,7 @@
           <a:p>
             <a:fld id="{F6126CF3-C25A-445D-B04C-12AEE3C5CFC5}" type="datetimeFigureOut">
               <a:rPr lang="zh-TW" altLang="en-US" smtClean="0"/>
-              <a:t>2024/11/17</a:t>
+              <a:t>2025/1/2</a:t>
             </a:fld>
             <a:endParaRPr lang="zh-TW" altLang="en-US"/>
           </a:p>
@@ -1142,7 +1145,7 @@
           <a:p>
             <a:fld id="{F6126CF3-C25A-445D-B04C-12AEE3C5CFC5}" type="datetimeFigureOut">
               <a:rPr lang="zh-TW" altLang="en-US" smtClean="0"/>
-              <a:t>2024/11/17</a:t>
+              <a:t>2025/1/2</a:t>
             </a:fld>
             <a:endParaRPr lang="zh-TW" altLang="en-US"/>
           </a:p>
@@ -1407,7 +1410,7 @@
           <a:p>
             <a:fld id="{F6126CF3-C25A-445D-B04C-12AEE3C5CFC5}" type="datetimeFigureOut">
               <a:rPr lang="zh-TW" altLang="en-US" smtClean="0"/>
-              <a:t>2024/11/17</a:t>
+              <a:t>2025/1/2</a:t>
             </a:fld>
             <a:endParaRPr lang="zh-TW" altLang="en-US"/>
           </a:p>
@@ -1819,7 +1822,7 @@
           <a:p>
             <a:fld id="{F6126CF3-C25A-445D-B04C-12AEE3C5CFC5}" type="datetimeFigureOut">
               <a:rPr lang="zh-TW" altLang="en-US" smtClean="0"/>
-              <a:t>2024/11/17</a:t>
+              <a:t>2025/1/2</a:t>
             </a:fld>
             <a:endParaRPr lang="zh-TW" altLang="en-US"/>
           </a:p>
@@ -1960,7 +1963,7 @@
           <a:p>
             <a:fld id="{F6126CF3-C25A-445D-B04C-12AEE3C5CFC5}" type="datetimeFigureOut">
               <a:rPr lang="zh-TW" altLang="en-US" smtClean="0"/>
-              <a:t>2024/11/17</a:t>
+              <a:t>2025/1/2</a:t>
             </a:fld>
             <a:endParaRPr lang="zh-TW" altLang="en-US"/>
           </a:p>
@@ -2073,7 +2076,7 @@
           <a:p>
             <a:fld id="{F6126CF3-C25A-445D-B04C-12AEE3C5CFC5}" type="datetimeFigureOut">
               <a:rPr lang="zh-TW" altLang="en-US" smtClean="0"/>
-              <a:t>2024/11/17</a:t>
+              <a:t>2025/1/2</a:t>
             </a:fld>
             <a:endParaRPr lang="zh-TW" altLang="en-US"/>
           </a:p>
@@ -2384,7 +2387,7 @@
           <a:p>
             <a:fld id="{F6126CF3-C25A-445D-B04C-12AEE3C5CFC5}" type="datetimeFigureOut">
               <a:rPr lang="zh-TW" altLang="en-US" smtClean="0"/>
-              <a:t>2024/11/17</a:t>
+              <a:t>2025/1/2</a:t>
             </a:fld>
             <a:endParaRPr lang="zh-TW" altLang="en-US"/>
           </a:p>
@@ -2672,7 +2675,7 @@
           <a:p>
             <a:fld id="{F6126CF3-C25A-445D-B04C-12AEE3C5CFC5}" type="datetimeFigureOut">
               <a:rPr lang="zh-TW" altLang="en-US" smtClean="0"/>
-              <a:t>2024/11/17</a:t>
+              <a:t>2025/1/2</a:t>
             </a:fld>
             <a:endParaRPr lang="zh-TW" altLang="en-US"/>
           </a:p>
@@ -2913,7 +2916,7 @@
           <a:p>
             <a:fld id="{F6126CF3-C25A-445D-B04C-12AEE3C5CFC5}" type="datetimeFigureOut">
               <a:rPr lang="zh-TW" altLang="en-US" smtClean="0"/>
-              <a:t>2024/11/17</a:t>
+              <a:t>2025/1/2</a:t>
             </a:fld>
             <a:endParaRPr lang="zh-TW" altLang="en-US"/>
           </a:p>
@@ -5070,6 +5073,966 @@
 </file>
 
 <file path=ppt/slides/slide5.xml><?xml version="1.0" encoding="utf-8"?>
+<p:sld xmlns:a="http://schemas.openxmlformats.org/drawingml/2006/main" xmlns:r="http://schemas.openxmlformats.org/officeDocument/2006/relationships" xmlns:p="http://schemas.openxmlformats.org/presentationml/2006/main">
+  <p:cSld>
+    <p:spTree>
+      <p:nvGrpSpPr>
+        <p:cNvPr id="1" name=""/>
+        <p:cNvGrpSpPr/>
+        <p:nvPr/>
+      </p:nvGrpSpPr>
+      <p:grpSpPr>
+        <a:xfrm>
+          <a:off x="0" y="0"/>
+          <a:ext cx="0" cy="0"/>
+          <a:chOff x="0" y="0"/>
+          <a:chExt cx="0" cy="0"/>
+        </a:xfrm>
+      </p:grpSpPr>
+      <p:sp>
+        <p:nvSpPr>
+          <p:cNvPr id="4" name="橢圓 3">
+            <a:extLst>
+              <a:ext uri="{FF2B5EF4-FFF2-40B4-BE49-F238E27FC236}">
+                <a16:creationId xmlns:a16="http://schemas.microsoft.com/office/drawing/2014/main" id="{10CCEC20-AD27-2F30-CD24-2537C1FC9356}"/>
+              </a:ext>
+            </a:extLst>
+          </p:cNvPr>
+          <p:cNvSpPr/>
+          <p:nvPr/>
+        </p:nvSpPr>
+        <p:spPr>
+          <a:xfrm>
+            <a:off x="2172832" y="1308225"/>
+            <a:ext cx="2643612" cy="1421394"/>
+          </a:xfrm>
+          <a:prstGeom prst="ellipse">
+            <a:avLst/>
+          </a:prstGeom>
+        </p:spPr>
+        <p:style>
+          <a:lnRef idx="2">
+            <a:schemeClr val="accent1">
+              <a:shade val="15000"/>
+            </a:schemeClr>
+          </a:lnRef>
+          <a:fillRef idx="1">
+            <a:schemeClr val="accent1"/>
+          </a:fillRef>
+          <a:effectRef idx="0">
+            <a:schemeClr val="accent1"/>
+          </a:effectRef>
+          <a:fontRef idx="minor">
+            <a:schemeClr val="lt1"/>
+          </a:fontRef>
+        </p:style>
+        <p:txBody>
+          <a:bodyPr rtlCol="0" anchor="ctr"/>
+          <a:lstStyle/>
+          <a:p>
+            <a:pPr algn="ctr"/>
+            <a:r>
+              <a:rPr lang="en-US" altLang="zh-TW" dirty="0"/>
+              <a:t>1</a:t>
+            </a:r>
+            <a:r>
+              <a:rPr lang="zh-TW" altLang="en-US" dirty="0"/>
+              <a:t>全速</a:t>
+            </a:r>
+          </a:p>
+        </p:txBody>
+      </p:sp>
+      <p:sp>
+        <p:nvSpPr>
+          <p:cNvPr id="5" name="橢圓 4">
+            <a:extLst>
+              <a:ext uri="{FF2B5EF4-FFF2-40B4-BE49-F238E27FC236}">
+                <a16:creationId xmlns:a16="http://schemas.microsoft.com/office/drawing/2014/main" id="{DCDD8F89-6A94-470D-E626-F122661A71EE}"/>
+              </a:ext>
+            </a:extLst>
+          </p:cNvPr>
+          <p:cNvSpPr/>
+          <p:nvPr/>
+        </p:nvSpPr>
+        <p:spPr>
+          <a:xfrm>
+            <a:off x="6898741" y="1249378"/>
+            <a:ext cx="2616451" cy="1539089"/>
+          </a:xfrm>
+          <a:prstGeom prst="ellipse">
+            <a:avLst/>
+          </a:prstGeom>
+        </p:spPr>
+        <p:style>
+          <a:lnRef idx="2">
+            <a:schemeClr val="accent1">
+              <a:shade val="15000"/>
+            </a:schemeClr>
+          </a:lnRef>
+          <a:fillRef idx="1">
+            <a:schemeClr val="accent1"/>
+          </a:fillRef>
+          <a:effectRef idx="0">
+            <a:schemeClr val="accent1"/>
+          </a:effectRef>
+          <a:fontRef idx="minor">
+            <a:schemeClr val="lt1"/>
+          </a:fontRef>
+        </p:style>
+        <p:txBody>
+          <a:bodyPr rtlCol="0" anchor="ctr"/>
+          <a:lstStyle/>
+          <a:p>
+            <a:pPr algn="ctr"/>
+            <a:r>
+              <a:rPr lang="en-US" altLang="zh-TW" dirty="0"/>
+              <a:t>2</a:t>
+            </a:r>
+            <a:r>
+              <a:rPr lang="zh-TW" altLang="en-US" dirty="0"/>
+              <a:t>等速</a:t>
+            </a:r>
+          </a:p>
+        </p:txBody>
+      </p:sp>
+      <p:sp>
+        <p:nvSpPr>
+          <p:cNvPr id="6" name="橢圓 5">
+            <a:extLst>
+              <a:ext uri="{FF2B5EF4-FFF2-40B4-BE49-F238E27FC236}">
+                <a16:creationId xmlns:a16="http://schemas.microsoft.com/office/drawing/2014/main" id="{0B0E784A-3F33-4EFF-0C66-F7E827414768}"/>
+              </a:ext>
+            </a:extLst>
+          </p:cNvPr>
+          <p:cNvSpPr/>
+          <p:nvPr/>
+        </p:nvSpPr>
+        <p:spPr>
+          <a:xfrm>
+            <a:off x="2073244" y="4187228"/>
+            <a:ext cx="2815628" cy="1421394"/>
+          </a:xfrm>
+          <a:prstGeom prst="ellipse">
+            <a:avLst/>
+          </a:prstGeom>
+        </p:spPr>
+        <p:style>
+          <a:lnRef idx="2">
+            <a:schemeClr val="accent1">
+              <a:shade val="15000"/>
+            </a:schemeClr>
+          </a:lnRef>
+          <a:fillRef idx="1">
+            <a:schemeClr val="accent1"/>
+          </a:fillRef>
+          <a:effectRef idx="0">
+            <a:schemeClr val="accent1"/>
+          </a:effectRef>
+          <a:fontRef idx="minor">
+            <a:schemeClr val="lt1"/>
+          </a:fontRef>
+        </p:style>
+        <p:txBody>
+          <a:bodyPr rtlCol="0" anchor="ctr"/>
+          <a:lstStyle/>
+          <a:p>
+            <a:pPr algn="ctr"/>
+            <a:r>
+              <a:rPr lang="en-US" altLang="zh-TW" dirty="0"/>
+              <a:t>3</a:t>
+            </a:r>
+            <a:r>
+              <a:rPr lang="zh-TW" altLang="en-US" dirty="0"/>
+              <a:t>加速</a:t>
+            </a:r>
+          </a:p>
+        </p:txBody>
+      </p:sp>
+      <p:sp>
+        <p:nvSpPr>
+          <p:cNvPr id="7" name="橢圓 6">
+            <a:extLst>
+              <a:ext uri="{FF2B5EF4-FFF2-40B4-BE49-F238E27FC236}">
+                <a16:creationId xmlns:a16="http://schemas.microsoft.com/office/drawing/2014/main" id="{174D1301-08C1-2BC5-C22B-614AE37FD7AF}"/>
+              </a:ext>
+            </a:extLst>
+          </p:cNvPr>
+          <p:cNvSpPr/>
+          <p:nvPr/>
+        </p:nvSpPr>
+        <p:spPr>
+          <a:xfrm>
+            <a:off x="6898741" y="4187228"/>
+            <a:ext cx="2643612" cy="1421394"/>
+          </a:xfrm>
+          <a:prstGeom prst="ellipse">
+            <a:avLst/>
+          </a:prstGeom>
+        </p:spPr>
+        <p:style>
+          <a:lnRef idx="2">
+            <a:schemeClr val="accent1">
+              <a:shade val="15000"/>
+            </a:schemeClr>
+          </a:lnRef>
+          <a:fillRef idx="1">
+            <a:schemeClr val="accent1"/>
+          </a:fillRef>
+          <a:effectRef idx="0">
+            <a:schemeClr val="accent1"/>
+          </a:effectRef>
+          <a:fontRef idx="minor">
+            <a:schemeClr val="lt1"/>
+          </a:fontRef>
+        </p:style>
+        <p:txBody>
+          <a:bodyPr rtlCol="0" anchor="ctr"/>
+          <a:lstStyle/>
+          <a:p>
+            <a:pPr algn="ctr"/>
+            <a:r>
+              <a:rPr lang="en-US" altLang="zh-TW" dirty="0"/>
+              <a:t>4</a:t>
+            </a:r>
+            <a:r>
+              <a:rPr lang="zh-TW" altLang="en-US" dirty="0"/>
+              <a:t>減速</a:t>
+            </a:r>
+          </a:p>
+        </p:txBody>
+      </p:sp>
+      <p:sp>
+        <p:nvSpPr>
+          <p:cNvPr id="8" name="文字方塊 7">
+            <a:extLst>
+              <a:ext uri="{FF2B5EF4-FFF2-40B4-BE49-F238E27FC236}">
+                <a16:creationId xmlns:a16="http://schemas.microsoft.com/office/drawing/2014/main" id="{F77E14B6-CD9B-86EA-7B20-ADF6030401E0}"/>
+              </a:ext>
+            </a:extLst>
+          </p:cNvPr>
+          <p:cNvSpPr txBox="1"/>
+          <p:nvPr/>
+        </p:nvSpPr>
+        <p:spPr>
+          <a:xfrm>
+            <a:off x="501420" y="348588"/>
+            <a:ext cx="1723549" cy="461665"/>
+          </a:xfrm>
+          <a:prstGeom prst="rect">
+            <a:avLst/>
+          </a:prstGeom>
+          <a:noFill/>
+        </p:spPr>
+        <p:txBody>
+          <a:bodyPr wrap="none" rtlCol="0">
+            <a:spAutoFit/>
+          </a:bodyPr>
+          <a:lstStyle/>
+          <a:p>
+            <a:r>
+              <a:rPr lang="zh-TW" altLang="en-US" sz="2400" dirty="0"/>
+              <a:t>狀態切換圖</a:t>
+            </a:r>
+          </a:p>
+        </p:txBody>
+      </p:sp>
+      <p:cxnSp>
+        <p:nvCxnSpPr>
+          <p:cNvPr id="13" name="直線單箭頭接點 12">
+            <a:extLst>
+              <a:ext uri="{FF2B5EF4-FFF2-40B4-BE49-F238E27FC236}">
+                <a16:creationId xmlns:a16="http://schemas.microsoft.com/office/drawing/2014/main" id="{3A1BE4D5-D4B6-A8B2-05E4-77A8ABFD0466}"/>
+              </a:ext>
+            </a:extLst>
+          </p:cNvPr>
+          <p:cNvCxnSpPr/>
+          <p:nvPr/>
+        </p:nvCxnSpPr>
+        <p:spPr>
+          <a:xfrm>
+            <a:off x="2978590" y="2729619"/>
+            <a:ext cx="0" cy="1561724"/>
+          </a:xfrm>
+          <a:prstGeom prst="straightConnector1">
+            <a:avLst/>
+          </a:prstGeom>
+          <a:ln>
+            <a:tailEnd type="triangle"/>
+          </a:ln>
+        </p:spPr>
+        <p:style>
+          <a:lnRef idx="2">
+            <a:schemeClr val="accent2"/>
+          </a:lnRef>
+          <a:fillRef idx="0">
+            <a:schemeClr val="accent2"/>
+          </a:fillRef>
+          <a:effectRef idx="1">
+            <a:schemeClr val="accent2"/>
+          </a:effectRef>
+          <a:fontRef idx="minor">
+            <a:schemeClr val="tx1"/>
+          </a:fontRef>
+        </p:style>
+      </p:cxnSp>
+      <p:cxnSp>
+        <p:nvCxnSpPr>
+          <p:cNvPr id="15" name="直線單箭頭接點 14">
+            <a:extLst>
+              <a:ext uri="{FF2B5EF4-FFF2-40B4-BE49-F238E27FC236}">
+                <a16:creationId xmlns:a16="http://schemas.microsoft.com/office/drawing/2014/main" id="{D579040F-717B-3F9C-E577-82E2291B6CC0}"/>
+              </a:ext>
+            </a:extLst>
+          </p:cNvPr>
+          <p:cNvCxnSpPr>
+            <a:cxnSpLocks/>
+          </p:cNvCxnSpPr>
+          <p:nvPr/>
+        </p:nvCxnSpPr>
+        <p:spPr>
+          <a:xfrm>
+            <a:off x="4725910" y="1665838"/>
+            <a:ext cx="2353900" cy="0"/>
+          </a:xfrm>
+          <a:prstGeom prst="straightConnector1">
+            <a:avLst/>
+          </a:prstGeom>
+          <a:ln>
+            <a:tailEnd type="triangle"/>
+          </a:ln>
+        </p:spPr>
+        <p:style>
+          <a:lnRef idx="2">
+            <a:schemeClr val="accent2"/>
+          </a:lnRef>
+          <a:fillRef idx="0">
+            <a:schemeClr val="accent2"/>
+          </a:fillRef>
+          <a:effectRef idx="1">
+            <a:schemeClr val="accent2"/>
+          </a:effectRef>
+          <a:fontRef idx="minor">
+            <a:schemeClr val="tx1"/>
+          </a:fontRef>
+        </p:style>
+      </p:cxnSp>
+      <p:cxnSp>
+        <p:nvCxnSpPr>
+          <p:cNvPr id="18" name="直線單箭頭接點 17">
+            <a:extLst>
+              <a:ext uri="{FF2B5EF4-FFF2-40B4-BE49-F238E27FC236}">
+                <a16:creationId xmlns:a16="http://schemas.microsoft.com/office/drawing/2014/main" id="{42A11DC5-1404-54BB-A19C-836A430F034D}"/>
+              </a:ext>
+            </a:extLst>
+          </p:cNvPr>
+          <p:cNvCxnSpPr/>
+          <p:nvPr/>
+        </p:nvCxnSpPr>
+        <p:spPr>
+          <a:xfrm>
+            <a:off x="8781861" y="2729619"/>
+            <a:ext cx="0" cy="1561724"/>
+          </a:xfrm>
+          <a:prstGeom prst="straightConnector1">
+            <a:avLst/>
+          </a:prstGeom>
+          <a:ln>
+            <a:tailEnd type="triangle"/>
+          </a:ln>
+        </p:spPr>
+        <p:style>
+          <a:lnRef idx="2">
+            <a:schemeClr val="accent2"/>
+          </a:lnRef>
+          <a:fillRef idx="0">
+            <a:schemeClr val="accent2"/>
+          </a:fillRef>
+          <a:effectRef idx="1">
+            <a:schemeClr val="accent2"/>
+          </a:effectRef>
+          <a:fontRef idx="minor">
+            <a:schemeClr val="tx1"/>
+          </a:fontRef>
+        </p:style>
+      </p:cxnSp>
+      <p:cxnSp>
+        <p:nvCxnSpPr>
+          <p:cNvPr id="20" name="直線單箭頭接點 19">
+            <a:extLst>
+              <a:ext uri="{FF2B5EF4-FFF2-40B4-BE49-F238E27FC236}">
+                <a16:creationId xmlns:a16="http://schemas.microsoft.com/office/drawing/2014/main" id="{3DF888F5-0DBF-410B-FD6F-337B59AB53A3}"/>
+              </a:ext>
+            </a:extLst>
+          </p:cNvPr>
+          <p:cNvCxnSpPr>
+            <a:stCxn id="7" idx="2"/>
+            <a:endCxn id="6" idx="6"/>
+          </p:cNvCxnSpPr>
+          <p:nvPr/>
+        </p:nvCxnSpPr>
+        <p:spPr>
+          <a:xfrm flipH="1">
+            <a:off x="4888872" y="4897925"/>
+            <a:ext cx="2009869" cy="0"/>
+          </a:xfrm>
+          <a:prstGeom prst="straightConnector1">
+            <a:avLst/>
+          </a:prstGeom>
+          <a:ln>
+            <a:tailEnd type="triangle"/>
+          </a:ln>
+        </p:spPr>
+        <p:style>
+          <a:lnRef idx="2">
+            <a:schemeClr val="accent2"/>
+          </a:lnRef>
+          <a:fillRef idx="0">
+            <a:schemeClr val="accent2"/>
+          </a:fillRef>
+          <a:effectRef idx="1">
+            <a:schemeClr val="accent2"/>
+          </a:effectRef>
+          <a:fontRef idx="minor">
+            <a:schemeClr val="tx1"/>
+          </a:fontRef>
+        </p:style>
+      </p:cxnSp>
+      <p:sp>
+        <p:nvSpPr>
+          <p:cNvPr id="21" name="文字方塊 20">
+            <a:extLst>
+              <a:ext uri="{FF2B5EF4-FFF2-40B4-BE49-F238E27FC236}">
+                <a16:creationId xmlns:a16="http://schemas.microsoft.com/office/drawing/2014/main" id="{3C4CB973-A5CC-71D3-BBF5-72263B974B62}"/>
+              </a:ext>
+            </a:extLst>
+          </p:cNvPr>
+          <p:cNvSpPr txBox="1"/>
+          <p:nvPr/>
+        </p:nvSpPr>
+        <p:spPr>
+          <a:xfrm>
+            <a:off x="5293260" y="1199583"/>
+            <a:ext cx="1356462" cy="369332"/>
+          </a:xfrm>
+          <a:prstGeom prst="rect">
+            <a:avLst/>
+          </a:prstGeom>
+          <a:noFill/>
+        </p:spPr>
+        <p:txBody>
+          <a:bodyPr wrap="none" rtlCol="0">
+            <a:spAutoFit/>
+          </a:bodyPr>
+          <a:lstStyle/>
+          <a:p>
+            <a:r>
+              <a:rPr lang="en-US" altLang="zh-TW" dirty="0"/>
+              <a:t>SPEED=100</a:t>
+            </a:r>
+            <a:endParaRPr lang="zh-TW" altLang="en-US" dirty="0"/>
+          </a:p>
+        </p:txBody>
+      </p:sp>
+      <p:sp>
+        <p:nvSpPr>
+          <p:cNvPr id="22" name="文字方塊 21">
+            <a:extLst>
+              <a:ext uri="{FF2B5EF4-FFF2-40B4-BE49-F238E27FC236}">
+                <a16:creationId xmlns:a16="http://schemas.microsoft.com/office/drawing/2014/main" id="{3800956A-80E3-ACC1-4DB1-AF92184D9803}"/>
+              </a:ext>
+            </a:extLst>
+          </p:cNvPr>
+          <p:cNvSpPr txBox="1"/>
+          <p:nvPr/>
+        </p:nvSpPr>
+        <p:spPr>
+          <a:xfrm>
+            <a:off x="4385357" y="579459"/>
+            <a:ext cx="2646878" cy="461665"/>
+          </a:xfrm>
+          <a:prstGeom prst="rect">
+            <a:avLst/>
+          </a:prstGeom>
+          <a:noFill/>
+        </p:spPr>
+        <p:txBody>
+          <a:bodyPr wrap="none" rtlCol="0">
+            <a:spAutoFit/>
+          </a:bodyPr>
+          <a:lstStyle/>
+          <a:p>
+            <a:r>
+              <a:rPr lang="zh-TW" altLang="en-US" sz="2400" dirty="0"/>
+              <a:t>記數器設計架構圖</a:t>
+            </a:r>
+          </a:p>
+        </p:txBody>
+      </p:sp>
+      <p:sp>
+        <p:nvSpPr>
+          <p:cNvPr id="24" name="文字方塊 23">
+            <a:extLst>
+              <a:ext uri="{FF2B5EF4-FFF2-40B4-BE49-F238E27FC236}">
+                <a16:creationId xmlns:a16="http://schemas.microsoft.com/office/drawing/2014/main" id="{78F0CCBD-21E2-F2A4-196A-896C770231F7}"/>
+              </a:ext>
+            </a:extLst>
+          </p:cNvPr>
+          <p:cNvSpPr txBox="1"/>
+          <p:nvPr/>
+        </p:nvSpPr>
+        <p:spPr>
+          <a:xfrm>
+            <a:off x="2978590" y="3244334"/>
+            <a:ext cx="1233030" cy="369332"/>
+          </a:xfrm>
+          <a:prstGeom prst="rect">
+            <a:avLst/>
+          </a:prstGeom>
+          <a:noFill/>
+        </p:spPr>
+        <p:txBody>
+          <a:bodyPr wrap="none" rtlCol="0">
+            <a:spAutoFit/>
+          </a:bodyPr>
+          <a:lstStyle/>
+          <a:p>
+            <a:r>
+              <a:rPr lang="en-US" altLang="zh-TW" dirty="0"/>
+              <a:t>SPEED&gt;80</a:t>
+            </a:r>
+            <a:endParaRPr lang="zh-TW" altLang="en-US" dirty="0"/>
+          </a:p>
+        </p:txBody>
+      </p:sp>
+      <p:sp>
+        <p:nvSpPr>
+          <p:cNvPr id="25" name="文字方塊 24">
+            <a:extLst>
+              <a:ext uri="{FF2B5EF4-FFF2-40B4-BE49-F238E27FC236}">
+                <a16:creationId xmlns:a16="http://schemas.microsoft.com/office/drawing/2014/main" id="{D205790A-A564-1227-1126-FAB821D61BB0}"/>
+              </a:ext>
+            </a:extLst>
+          </p:cNvPr>
+          <p:cNvSpPr txBox="1"/>
+          <p:nvPr/>
+        </p:nvSpPr>
+        <p:spPr>
+          <a:xfrm>
+            <a:off x="5233711" y="5068608"/>
+            <a:ext cx="1356462" cy="369332"/>
+          </a:xfrm>
+          <a:prstGeom prst="rect">
+            <a:avLst/>
+          </a:prstGeom>
+          <a:noFill/>
+        </p:spPr>
+        <p:txBody>
+          <a:bodyPr wrap="none" rtlCol="0">
+            <a:spAutoFit/>
+          </a:bodyPr>
+          <a:lstStyle/>
+          <a:p>
+            <a:r>
+              <a:rPr lang="en-US" altLang="zh-TW" dirty="0"/>
+              <a:t>SPEED&lt;100</a:t>
+            </a:r>
+            <a:endParaRPr lang="zh-TW" altLang="en-US" dirty="0"/>
+          </a:p>
+        </p:txBody>
+      </p:sp>
+      <p:cxnSp>
+        <p:nvCxnSpPr>
+          <p:cNvPr id="27" name="直線單箭頭接點 26">
+            <a:extLst>
+              <a:ext uri="{FF2B5EF4-FFF2-40B4-BE49-F238E27FC236}">
+                <a16:creationId xmlns:a16="http://schemas.microsoft.com/office/drawing/2014/main" id="{5B0B206E-24DF-4DE9-D030-115280BD6503}"/>
+              </a:ext>
+            </a:extLst>
+          </p:cNvPr>
+          <p:cNvCxnSpPr/>
+          <p:nvPr/>
+        </p:nvCxnSpPr>
+        <p:spPr>
+          <a:xfrm>
+            <a:off x="4617267" y="2376536"/>
+            <a:ext cx="2462543" cy="2095876"/>
+          </a:xfrm>
+          <a:prstGeom prst="straightConnector1">
+            <a:avLst/>
+          </a:prstGeom>
+          <a:ln>
+            <a:tailEnd type="triangle"/>
+          </a:ln>
+        </p:spPr>
+        <p:style>
+          <a:lnRef idx="2">
+            <a:schemeClr val="accent2"/>
+          </a:lnRef>
+          <a:fillRef idx="0">
+            <a:schemeClr val="accent2"/>
+          </a:fillRef>
+          <a:effectRef idx="1">
+            <a:schemeClr val="accent2"/>
+          </a:effectRef>
+          <a:fontRef idx="minor">
+            <a:schemeClr val="tx1"/>
+          </a:fontRef>
+        </p:style>
+      </p:cxnSp>
+      <p:sp>
+        <p:nvSpPr>
+          <p:cNvPr id="28" name="文字方塊 27">
+            <a:extLst>
+              <a:ext uri="{FF2B5EF4-FFF2-40B4-BE49-F238E27FC236}">
+                <a16:creationId xmlns:a16="http://schemas.microsoft.com/office/drawing/2014/main" id="{B59E55B7-1446-FF40-38AD-43C145E1E2ED}"/>
+              </a:ext>
+            </a:extLst>
+          </p:cNvPr>
+          <p:cNvSpPr txBox="1"/>
+          <p:nvPr/>
+        </p:nvSpPr>
+        <p:spPr>
+          <a:xfrm>
+            <a:off x="5664889" y="3141149"/>
+            <a:ext cx="1356462" cy="369332"/>
+          </a:xfrm>
+          <a:prstGeom prst="rect">
+            <a:avLst/>
+          </a:prstGeom>
+          <a:noFill/>
+        </p:spPr>
+        <p:txBody>
+          <a:bodyPr wrap="none" rtlCol="0">
+            <a:spAutoFit/>
+          </a:bodyPr>
+          <a:lstStyle/>
+          <a:p>
+            <a:r>
+              <a:rPr lang="en-US" altLang="zh-TW" dirty="0"/>
+              <a:t>SPEED&gt;100</a:t>
+            </a:r>
+            <a:endParaRPr lang="zh-TW" altLang="en-US" dirty="0"/>
+          </a:p>
+        </p:txBody>
+      </p:sp>
+    </p:spTree>
+    <p:extLst>
+      <p:ext uri="{BB962C8B-B14F-4D97-AF65-F5344CB8AC3E}">
+        <p14:creationId xmlns:p14="http://schemas.microsoft.com/office/powerpoint/2010/main" val="1321341994"/>
+      </p:ext>
+    </p:extLst>
+  </p:cSld>
+  <p:clrMapOvr>
+    <a:masterClrMapping/>
+  </p:clrMapOvr>
+</p:sld>
+</file>
+
+<file path=ppt/slides/slide6.xml><?xml version="1.0" encoding="utf-8"?>
+<p:sld xmlns:a="http://schemas.openxmlformats.org/drawingml/2006/main" xmlns:r="http://schemas.openxmlformats.org/officeDocument/2006/relationships" xmlns:p="http://schemas.openxmlformats.org/presentationml/2006/main">
+  <p:cSld>
+    <p:spTree>
+      <p:nvGrpSpPr>
+        <p:cNvPr id="1" name=""/>
+        <p:cNvGrpSpPr/>
+        <p:nvPr/>
+      </p:nvGrpSpPr>
+      <p:grpSpPr>
+        <a:xfrm>
+          <a:off x="0" y="0"/>
+          <a:ext cx="0" cy="0"/>
+          <a:chOff x="0" y="0"/>
+          <a:chExt cx="0" cy="0"/>
+        </a:xfrm>
+      </p:grpSpPr>
+      <p:sp>
+        <p:nvSpPr>
+          <p:cNvPr id="4" name="文字方塊 3">
+            <a:extLst>
+              <a:ext uri="{FF2B5EF4-FFF2-40B4-BE49-F238E27FC236}">
+                <a16:creationId xmlns:a16="http://schemas.microsoft.com/office/drawing/2014/main" id="{96D87EC1-AA13-3436-9B6D-21848BDAAB5B}"/>
+              </a:ext>
+            </a:extLst>
+          </p:cNvPr>
+          <p:cNvSpPr txBox="1"/>
+          <p:nvPr/>
+        </p:nvSpPr>
+        <p:spPr>
+          <a:xfrm>
+            <a:off x="501420" y="348588"/>
+            <a:ext cx="2339102" cy="461665"/>
+          </a:xfrm>
+          <a:prstGeom prst="rect">
+            <a:avLst/>
+          </a:prstGeom>
+          <a:noFill/>
+        </p:spPr>
+        <p:txBody>
+          <a:bodyPr wrap="none" rtlCol="0">
+            <a:spAutoFit/>
+          </a:bodyPr>
+          <a:lstStyle/>
+          <a:p>
+            <a:r>
+              <a:rPr lang="zh-TW" altLang="en-US" sz="2400" dirty="0"/>
+              <a:t>各個狀態上下限</a:t>
+            </a:r>
+          </a:p>
+        </p:txBody>
+      </p:sp>
+      <p:sp>
+        <p:nvSpPr>
+          <p:cNvPr id="5" name="文字方塊 4">
+            <a:extLst>
+              <a:ext uri="{FF2B5EF4-FFF2-40B4-BE49-F238E27FC236}">
+                <a16:creationId xmlns:a16="http://schemas.microsoft.com/office/drawing/2014/main" id="{127FD5C5-FA88-C89E-050A-0545671DFBF1}"/>
+              </a:ext>
+            </a:extLst>
+          </p:cNvPr>
+          <p:cNvSpPr txBox="1"/>
+          <p:nvPr/>
+        </p:nvSpPr>
+        <p:spPr>
+          <a:xfrm>
+            <a:off x="1937442" y="1855960"/>
+            <a:ext cx="2989921" cy="3970318"/>
+          </a:xfrm>
+          <a:prstGeom prst="rect">
+            <a:avLst/>
+          </a:prstGeom>
+          <a:noFill/>
+        </p:spPr>
+        <p:txBody>
+          <a:bodyPr wrap="none" rtlCol="0">
+            <a:spAutoFit/>
+          </a:bodyPr>
+          <a:lstStyle/>
+          <a:p>
+            <a:r>
+              <a:rPr lang="en-US" altLang="zh-TW" dirty="0"/>
+              <a:t>1:FULL SPEED</a:t>
+            </a:r>
+          </a:p>
+          <a:p>
+            <a:endParaRPr lang="en-US" altLang="zh-TW" dirty="0"/>
+          </a:p>
+          <a:p>
+            <a:endParaRPr lang="en-US" altLang="zh-TW" dirty="0"/>
+          </a:p>
+          <a:p>
+            <a:r>
+              <a:rPr lang="en-US" altLang="zh-TW" dirty="0"/>
+              <a:t>2: uppnd1=127 uppnd2=127</a:t>
+            </a:r>
+          </a:p>
+          <a:p>
+            <a:endParaRPr lang="en-US" altLang="zh-TW" dirty="0"/>
+          </a:p>
+          <a:p>
+            <a:endParaRPr lang="en-US" altLang="zh-TW" dirty="0"/>
+          </a:p>
+          <a:p>
+            <a:r>
+              <a:rPr lang="en-US" altLang="zh-TW" dirty="0"/>
+              <a:t>3: uppnd1=191 uppnd2=63</a:t>
+            </a:r>
+          </a:p>
+          <a:p>
+            <a:endParaRPr lang="en-US" altLang="zh-TW" dirty="0"/>
+          </a:p>
+          <a:p>
+            <a:endParaRPr lang="en-US" altLang="zh-TW" dirty="0"/>
+          </a:p>
+          <a:p>
+            <a:r>
+              <a:rPr lang="en-US" altLang="zh-TW" dirty="0"/>
+              <a:t>4: uppnd1=63 uppnd2=191</a:t>
+            </a:r>
+          </a:p>
+          <a:p>
+            <a:endParaRPr lang="en-US" altLang="zh-TW" dirty="0"/>
+          </a:p>
+          <a:p>
+            <a:endParaRPr lang="en-US" altLang="zh-TW" dirty="0"/>
+          </a:p>
+          <a:p>
+            <a:endParaRPr lang="en-US" altLang="zh-TW" dirty="0"/>
+          </a:p>
+          <a:p>
+            <a:endParaRPr lang="zh-TW" altLang="en-US" dirty="0"/>
+          </a:p>
+        </p:txBody>
+      </p:sp>
+      <p:pic>
+        <p:nvPicPr>
+          <p:cNvPr id="7" name="圖片 6">
+            <a:extLst>
+              <a:ext uri="{FF2B5EF4-FFF2-40B4-BE49-F238E27FC236}">
+                <a16:creationId xmlns:a16="http://schemas.microsoft.com/office/drawing/2014/main" id="{573AA4FE-7261-EF35-57D4-8F99DAC31E23}"/>
+              </a:ext>
+            </a:extLst>
+          </p:cNvPr>
+          <p:cNvPicPr>
+            <a:picLocks noChangeAspect="1"/>
+          </p:cNvPicPr>
+          <p:nvPr/>
+        </p:nvPicPr>
+        <p:blipFill>
+          <a:blip r:embed="rId2"/>
+          <a:stretch>
+            <a:fillRect/>
+          </a:stretch>
+        </p:blipFill>
+        <p:spPr>
+          <a:xfrm>
+            <a:off x="6733709" y="1218891"/>
+            <a:ext cx="3305636" cy="4420217"/>
+          </a:xfrm>
+          <a:prstGeom prst="rect">
+            <a:avLst/>
+          </a:prstGeom>
+        </p:spPr>
+      </p:pic>
+    </p:spTree>
+    <p:extLst>
+      <p:ext uri="{BB962C8B-B14F-4D97-AF65-F5344CB8AC3E}">
+        <p14:creationId xmlns:p14="http://schemas.microsoft.com/office/powerpoint/2010/main" val="1528477944"/>
+      </p:ext>
+    </p:extLst>
+  </p:cSld>
+  <p:clrMapOvr>
+    <a:masterClrMapping/>
+  </p:clrMapOvr>
+</p:sld>
+</file>
+
+<file path=ppt/slides/slide7.xml><?xml version="1.0" encoding="utf-8"?>
+<p:sld xmlns:a="http://schemas.openxmlformats.org/drawingml/2006/main" xmlns:r="http://schemas.openxmlformats.org/officeDocument/2006/relationships" xmlns:p="http://schemas.openxmlformats.org/presentationml/2006/main">
+  <p:cSld>
+    <p:spTree>
+      <p:nvGrpSpPr>
+        <p:cNvPr id="1" name=""/>
+        <p:cNvGrpSpPr/>
+        <p:nvPr/>
+      </p:nvGrpSpPr>
+      <p:grpSpPr>
+        <a:xfrm>
+          <a:off x="0" y="0"/>
+          <a:ext cx="0" cy="0"/>
+          <a:chOff x="0" y="0"/>
+          <a:chExt cx="0" cy="0"/>
+        </a:xfrm>
+      </p:grpSpPr>
+      <p:sp>
+        <p:nvSpPr>
+          <p:cNvPr id="4" name="標題 1">
+            <a:extLst>
+              <a:ext uri="{FF2B5EF4-FFF2-40B4-BE49-F238E27FC236}">
+                <a16:creationId xmlns:a16="http://schemas.microsoft.com/office/drawing/2014/main" id="{D1F5C4D4-7FE1-5421-50E0-D01D6F850E3A}"/>
+              </a:ext>
+            </a:extLst>
+          </p:cNvPr>
+          <p:cNvSpPr txBox="1">
+            <a:spLocks/>
+          </p:cNvSpPr>
+          <p:nvPr/>
+        </p:nvSpPr>
+        <p:spPr>
+          <a:xfrm>
+            <a:off x="727296" y="660904"/>
+            <a:ext cx="5854574" cy="1158844"/>
+          </a:xfrm>
+          <a:prstGeom prst="rect">
+            <a:avLst/>
+          </a:prstGeom>
+        </p:spPr>
+        <p:txBody>
+          <a:bodyPr vert="horz" lIns="91440" tIns="45720" rIns="91440" bIns="45720" rtlCol="0" anchor="ctr">
+            <a:normAutofit fontScale="97500"/>
+          </a:bodyPr>
+          <a:lstStyle>
+            <a:lvl1pPr algn="l" defTabSz="914400" rtl="0" eaLnBrk="1" latinLnBrk="0" hangingPunct="1">
+              <a:lnSpc>
+                <a:spcPct val="90000"/>
+              </a:lnSpc>
+              <a:spcBef>
+                <a:spcPct val="0"/>
+              </a:spcBef>
+              <a:buNone/>
+              <a:defRPr sz="4400" kern="1200">
+                <a:solidFill>
+                  <a:schemeClr val="tx1"/>
+                </a:solidFill>
+                <a:latin typeface="+mj-lt"/>
+                <a:ea typeface="+mj-ea"/>
+                <a:cs typeface="+mj-cs"/>
+              </a:defRPr>
+            </a:lvl1pPr>
+          </a:lstStyle>
+          <a:p>
+            <a:r>
+              <a:rPr lang="zh-TW" altLang="en-US" sz="3100" kern="100" dirty="0">
+                <a:latin typeface="Aptos" panose="020B0004020202020204" pitchFamily="34" charset="0"/>
+                <a:ea typeface="新細明體" panose="02020500000000000000" pitchFamily="18" charset="-120"/>
+                <a:cs typeface="Times New Roman" panose="02020603050405020304" pitchFamily="18" charset="0"/>
+              </a:rPr>
+              <a:t>波形圖</a:t>
+            </a:r>
+            <a:br>
+              <a:rPr lang="zh-TW" altLang="zh-TW" sz="1800" kern="100" dirty="0">
+                <a:latin typeface="Aptos" panose="020B0004020202020204" pitchFamily="34" charset="0"/>
+                <a:ea typeface="新細明體" panose="02020500000000000000" pitchFamily="18" charset="-120"/>
+                <a:cs typeface="Times New Roman" panose="02020603050405020304" pitchFamily="18" charset="0"/>
+              </a:rPr>
+            </a:br>
+            <a:endParaRPr lang="zh-TW" altLang="en-US" dirty="0"/>
+          </a:p>
+        </p:txBody>
+      </p:sp>
+      <p:pic>
+        <p:nvPicPr>
+          <p:cNvPr id="6" name="圖片 5">
+            <a:extLst>
+              <a:ext uri="{FF2B5EF4-FFF2-40B4-BE49-F238E27FC236}">
+                <a16:creationId xmlns:a16="http://schemas.microsoft.com/office/drawing/2014/main" id="{24D5A965-F5C6-A165-FB9E-3EE410824918}"/>
+              </a:ext>
+            </a:extLst>
+          </p:cNvPr>
+          <p:cNvPicPr>
+            <a:picLocks noChangeAspect="1"/>
+          </p:cNvPicPr>
+          <p:nvPr/>
+        </p:nvPicPr>
+        <p:blipFill>
+          <a:blip r:embed="rId2"/>
+          <a:stretch>
+            <a:fillRect/>
+          </a:stretch>
+        </p:blipFill>
+        <p:spPr>
+          <a:xfrm>
+            <a:off x="1597889" y="1354932"/>
+            <a:ext cx="8608291" cy="4842164"/>
+          </a:xfrm>
+          <a:prstGeom prst="rect">
+            <a:avLst/>
+          </a:prstGeom>
+        </p:spPr>
+      </p:pic>
+    </p:spTree>
+    <p:extLst>
+      <p:ext uri="{BB962C8B-B14F-4D97-AF65-F5344CB8AC3E}">
+        <p14:creationId xmlns:p14="http://schemas.microsoft.com/office/powerpoint/2010/main" val="3251887516"/>
+      </p:ext>
+    </p:extLst>
+  </p:cSld>
+  <p:clrMapOvr>
+    <a:masterClrMapping/>
+  </p:clrMapOvr>
+</p:sld>
+</file>
+
+<file path=ppt/slides/slide8.xml><?xml version="1.0" encoding="utf-8"?>
 <p:sld xmlns:a="http://schemas.openxmlformats.org/drawingml/2006/main" xmlns:r="http://schemas.openxmlformats.org/officeDocument/2006/relationships" xmlns:p="http://schemas.openxmlformats.org/presentationml/2006/main">
   <p:cSld>
     <p:spTree>
